--- a/提出（学生が出す）ー岡本/PM/17834 khimu/0606introduction-PM/17834 khimu/NEPALI FOODS.pptx
+++ b/提出（学生が出す）ー岡本/PM/17834 khimu/0606introduction-PM/17834 khimu/NEPALI FOODS.pptx
@@ -248,7 +248,7 @@
           <a:p>
             <a:fld id="{EF66371D-ABC2-45E9-B85A-8752A4EF3219}" type="datetimeFigureOut">
               <a:rPr kumimoji="1" lang="ja-JP" altLang="en-US" smtClean="0"/>
-              <a:t>2019/11/7</a:t>
+              <a:t>2019/11/12</a:t>
             </a:fld>
             <a:endParaRPr kumimoji="1" lang="ja-JP" altLang="en-US"/>
           </a:p>
@@ -450,7 +450,7 @@
           <a:p>
             <a:fld id="{EF66371D-ABC2-45E9-B85A-8752A4EF3219}" type="datetimeFigureOut">
               <a:rPr kumimoji="1" lang="ja-JP" altLang="en-US" smtClean="0"/>
-              <a:t>2019/11/7</a:t>
+              <a:t>2019/11/12</a:t>
             </a:fld>
             <a:endParaRPr kumimoji="1" lang="ja-JP" altLang="en-US"/>
           </a:p>
@@ -662,7 +662,7 @@
           <a:p>
             <a:fld id="{EF66371D-ABC2-45E9-B85A-8752A4EF3219}" type="datetimeFigureOut">
               <a:rPr kumimoji="1" lang="ja-JP" altLang="en-US" smtClean="0"/>
-              <a:t>2019/11/7</a:t>
+              <a:t>2019/11/12</a:t>
             </a:fld>
             <a:endParaRPr kumimoji="1" lang="ja-JP" altLang="en-US"/>
           </a:p>
@@ -864,7 +864,7 @@
           <a:p>
             <a:fld id="{EF66371D-ABC2-45E9-B85A-8752A4EF3219}" type="datetimeFigureOut">
               <a:rPr kumimoji="1" lang="ja-JP" altLang="en-US" smtClean="0"/>
-              <a:t>2019/11/7</a:t>
+              <a:t>2019/11/12</a:t>
             </a:fld>
             <a:endParaRPr kumimoji="1" lang="ja-JP" altLang="en-US"/>
           </a:p>
@@ -1110,7 +1110,7 @@
           <a:p>
             <a:fld id="{EF66371D-ABC2-45E9-B85A-8752A4EF3219}" type="datetimeFigureOut">
               <a:rPr kumimoji="1" lang="ja-JP" altLang="en-US" smtClean="0"/>
-              <a:t>2019/11/7</a:t>
+              <a:t>2019/11/12</a:t>
             </a:fld>
             <a:endParaRPr kumimoji="1" lang="ja-JP" altLang="en-US"/>
           </a:p>
@@ -1406,7 +1406,7 @@
           <a:p>
             <a:fld id="{EF66371D-ABC2-45E9-B85A-8752A4EF3219}" type="datetimeFigureOut">
               <a:rPr kumimoji="1" lang="ja-JP" altLang="en-US" smtClean="0"/>
-              <a:t>2019/11/7</a:t>
+              <a:t>2019/11/12</a:t>
             </a:fld>
             <a:endParaRPr kumimoji="1" lang="ja-JP" altLang="en-US"/>
           </a:p>
@@ -1837,7 +1837,7 @@
           <a:p>
             <a:fld id="{EF66371D-ABC2-45E9-B85A-8752A4EF3219}" type="datetimeFigureOut">
               <a:rPr kumimoji="1" lang="ja-JP" altLang="en-US" smtClean="0"/>
-              <a:t>2019/11/7</a:t>
+              <a:t>2019/11/12</a:t>
             </a:fld>
             <a:endParaRPr kumimoji="1" lang="ja-JP" altLang="en-US"/>
           </a:p>
@@ -1955,7 +1955,7 @@
           <a:p>
             <a:fld id="{EF66371D-ABC2-45E9-B85A-8752A4EF3219}" type="datetimeFigureOut">
               <a:rPr kumimoji="1" lang="ja-JP" altLang="en-US" smtClean="0"/>
-              <a:t>2019/11/7</a:t>
+              <a:t>2019/11/12</a:t>
             </a:fld>
             <a:endParaRPr kumimoji="1" lang="ja-JP" altLang="en-US"/>
           </a:p>
@@ -2050,7 +2050,7 @@
           <a:p>
             <a:fld id="{EF66371D-ABC2-45E9-B85A-8752A4EF3219}" type="datetimeFigureOut">
               <a:rPr kumimoji="1" lang="ja-JP" altLang="en-US" smtClean="0"/>
-              <a:t>2019/11/7</a:t>
+              <a:t>2019/11/12</a:t>
             </a:fld>
             <a:endParaRPr kumimoji="1" lang="ja-JP" altLang="en-US"/>
           </a:p>
@@ -2359,7 +2359,7 @@
           <a:p>
             <a:fld id="{EF66371D-ABC2-45E9-B85A-8752A4EF3219}" type="datetimeFigureOut">
               <a:rPr kumimoji="1" lang="ja-JP" altLang="en-US" smtClean="0"/>
-              <a:t>2019/11/7</a:t>
+              <a:t>2019/11/12</a:t>
             </a:fld>
             <a:endParaRPr kumimoji="1" lang="ja-JP" altLang="en-US"/>
           </a:p>
@@ -2612,7 +2612,7 @@
           <a:p>
             <a:fld id="{EF66371D-ABC2-45E9-B85A-8752A4EF3219}" type="datetimeFigureOut">
               <a:rPr kumimoji="1" lang="ja-JP" altLang="en-US" smtClean="0"/>
-              <a:t>2019/11/7</a:t>
+              <a:t>2019/11/12</a:t>
             </a:fld>
             <a:endParaRPr kumimoji="1" lang="ja-JP" altLang="en-US"/>
           </a:p>
@@ -2857,7 +2857,7 @@
           <a:p>
             <a:fld id="{EF66371D-ABC2-45E9-B85A-8752A4EF3219}" type="datetimeFigureOut">
               <a:rPr kumimoji="1" lang="ja-JP" altLang="en-US" smtClean="0"/>
-              <a:t>2019/11/7</a:t>
+              <a:t>2019/11/12</a:t>
             </a:fld>
             <a:endParaRPr kumimoji="1" lang="ja-JP" altLang="en-US"/>
           </a:p>
@@ -4602,6 +4602,36 @@
           </a:prstGeom>
         </p:spPr>
       </p:pic>
+      <p:pic>
+        <p:nvPicPr>
+          <p:cNvPr id="3" name="図 2"/>
+          <p:cNvPicPr>
+            <a:picLocks noChangeAspect="1"/>
+          </p:cNvPicPr>
+          <p:nvPr/>
+        </p:nvPicPr>
+        <p:blipFill>
+          <a:blip r:embed="rId2">
+            <a:extLst>
+              <a:ext uri="{28A0092B-C50C-407E-A947-70E740481C1C}">
+                <a14:useLocalDpi xmlns:a14="http://schemas.microsoft.com/office/drawing/2010/main" val="0"/>
+              </a:ext>
+            </a:extLst>
+          </a:blip>
+          <a:stretch>
+            <a:fillRect/>
+          </a:stretch>
+        </p:blipFill>
+        <p:spPr>
+          <a:xfrm>
+            <a:off x="1385455" y="624822"/>
+            <a:ext cx="10280073" cy="6122342"/>
+          </a:xfrm>
+          <a:prstGeom prst="rect">
+            <a:avLst/>
+          </a:prstGeom>
+        </p:spPr>
+      </p:pic>
     </p:spTree>
     <p:extLst>
       <p:ext uri="{BB962C8B-B14F-4D97-AF65-F5344CB8AC3E}">
